--- a/word/涂.pptx
+++ b/word/涂.pptx
@@ -36,7 +36,8 @@
     <p:sldId id="290" r:id="rId30"/>
     <p:sldId id="292" r:id="rId31"/>
     <p:sldId id="266" r:id="rId32"/>
-    <p:sldId id="295" r:id="rId33"/>
+    <p:sldId id="296" r:id="rId33"/>
+    <p:sldId id="295" r:id="rId34"/>
   </p:sldIdLst>
   <p:sldSz cx="9144000" cy="6858000" type="screen4x3"/>
   <p:notesSz cx="6858000" cy="9144000"/>
@@ -12524,6 +12525,231 @@
 </file>
 
 <file path=ppt/slides/slide32.xml><?xml version="1.0" encoding="utf-8"?>
+<p:sld xmlns:a="http://schemas.openxmlformats.org/drawingml/2006/main" xmlns:r="http://schemas.openxmlformats.org/officeDocument/2006/relationships" xmlns:p="http://schemas.openxmlformats.org/presentationml/2006/main">
+  <p:cSld>
+    <p:spTree>
+      <p:nvGrpSpPr>
+        <p:cNvPr id="1" name=""/>
+        <p:cNvGrpSpPr/>
+        <p:nvPr/>
+      </p:nvGrpSpPr>
+      <p:grpSpPr>
+        <a:xfrm>
+          <a:off x="0" y="0"/>
+          <a:ext cx="0" cy="0"/>
+          <a:chOff x="0" y="0"/>
+          <a:chExt cx="0" cy="0"/>
+        </a:xfrm>
+      </p:grpSpPr>
+      <p:pic>
+        <p:nvPicPr>
+          <p:cNvPr id="3074" name="Picture 5">
+            <a:extLst>
+              <a:ext uri="{FF2B5EF4-FFF2-40B4-BE49-F238E27FC236}">
+                <a16:creationId xmlns:a16="http://schemas.microsoft.com/office/drawing/2014/main" id="{56426681-1758-45C8-837B-D228E8F56B4C}"/>
+              </a:ext>
+            </a:extLst>
+          </p:cNvPr>
+          <p:cNvPicPr>
+            <a:picLocks noChangeAspect="1" noChangeArrowheads="1"/>
+          </p:cNvPicPr>
+          <p:nvPr/>
+        </p:nvPicPr>
+        <p:blipFill>
+          <a:blip r:embed="rId2">
+            <a:extLst>
+              <a:ext uri="{28A0092B-C50C-407E-A947-70E740481C1C}">
+                <a14:useLocalDpi xmlns:a14="http://schemas.microsoft.com/office/drawing/2010/main" val="0"/>
+              </a:ext>
+            </a:extLst>
+          </a:blip>
+          <a:srcRect/>
+          <a:stretch>
+            <a:fillRect/>
+          </a:stretch>
+        </p:blipFill>
+        <p:spPr bwMode="auto">
+          <a:xfrm>
+            <a:off x="0" y="0"/>
+            <a:ext cx="9144000" cy="6858000"/>
+          </a:xfrm>
+          <a:prstGeom prst="rect">
+            <a:avLst/>
+          </a:prstGeom>
+          <a:noFill/>
+          <a:ln>
+            <a:noFill/>
+          </a:ln>
+          <a:extLst>
+            <a:ext uri="{909E8E84-426E-40DD-AFC4-6F175D3DCCD1}">
+              <a14:hiddenFill xmlns:a14="http://schemas.microsoft.com/office/drawing/2010/main">
+                <a:solidFill>
+                  <a:srgbClr val="FFFFFF"/>
+                </a:solidFill>
+              </a14:hiddenFill>
+            </a:ext>
+            <a:ext uri="{91240B29-F687-4F45-9708-019B960494DF}">
+              <a14:hiddenLine xmlns:a14="http://schemas.microsoft.com/office/drawing/2010/main" w="9525">
+                <a:solidFill>
+                  <a:srgbClr val="000000"/>
+                </a:solidFill>
+                <a:miter lim="800000"/>
+                <a:headEnd/>
+                <a:tailEnd/>
+              </a14:hiddenLine>
+            </a:ext>
+          </a:extLst>
+        </p:spPr>
+      </p:pic>
+      <p:sp>
+        <p:nvSpPr>
+          <p:cNvPr id="3075" name="Rectangle 2">
+            <a:extLst>
+              <a:ext uri="{FF2B5EF4-FFF2-40B4-BE49-F238E27FC236}">
+                <a16:creationId xmlns:a16="http://schemas.microsoft.com/office/drawing/2014/main" id="{B00D062A-A3C4-4A5B-84A6-46D511EC9C73}"/>
+              </a:ext>
+            </a:extLst>
+          </p:cNvPr>
+          <p:cNvSpPr>
+            <a:spLocks noGrp="1" noChangeArrowheads="1"/>
+          </p:cNvSpPr>
+          <p:nvPr>
+            <p:ph type="title"/>
+          </p:nvPr>
+        </p:nvSpPr>
+        <p:spPr>
+          <a:xfrm>
+            <a:off x="7020272" y="260350"/>
+            <a:ext cx="1666528" cy="287338"/>
+          </a:xfrm>
+        </p:spPr>
+        <p:txBody>
+          <a:bodyPr/>
+          <a:lstStyle/>
+          <a:p>
+            <a:pPr eaLnBrk="1" hangingPunct="1"/>
+            <a:r>
+              <a:rPr lang="zh-CN" altLang="en-US" sz="3600" dirty="0">
+                <a:solidFill>
+                  <a:schemeClr val="bg1"/>
+                </a:solidFill>
+                <a:latin typeface="黑体" panose="02010609060101010101" pitchFamily="49" charset="-122"/>
+                <a:ea typeface="黑体" panose="02010609060101010101" pitchFamily="49" charset="-122"/>
+              </a:rPr>
+              <a:t>附录</a:t>
+            </a:r>
+          </a:p>
+        </p:txBody>
+      </p:sp>
+      <p:sp>
+        <p:nvSpPr>
+          <p:cNvPr id="3" name="文本框 2">
+            <a:extLst>
+              <a:ext uri="{FF2B5EF4-FFF2-40B4-BE49-F238E27FC236}">
+                <a16:creationId xmlns:a16="http://schemas.microsoft.com/office/drawing/2014/main" id="{5B3E2AA8-0AE0-441B-9F2C-A965FFA8503D}"/>
+              </a:ext>
+            </a:extLst>
+          </p:cNvPr>
+          <p:cNvSpPr txBox="1"/>
+          <p:nvPr/>
+        </p:nvSpPr>
+        <p:spPr>
+          <a:xfrm>
+            <a:off x="971600" y="2636912"/>
+            <a:ext cx="184731" cy="369332"/>
+          </a:xfrm>
+          <a:prstGeom prst="rect">
+            <a:avLst/>
+          </a:prstGeom>
+          <a:noFill/>
+        </p:spPr>
+        <p:txBody>
+          <a:bodyPr wrap="none" rtlCol="0">
+            <a:spAutoFit/>
+          </a:bodyPr>
+          <a:lstStyle/>
+          <a:p>
+            <a:endParaRPr lang="zh-CN" altLang="en-US" dirty="0"/>
+          </a:p>
+        </p:txBody>
+      </p:sp>
+      <p:pic>
+        <p:nvPicPr>
+          <p:cNvPr id="7" name="图片 6">
+            <a:extLst>
+              <a:ext uri="{FF2B5EF4-FFF2-40B4-BE49-F238E27FC236}">
+                <a16:creationId xmlns:a16="http://schemas.microsoft.com/office/drawing/2014/main" id="{BE7ADA25-A6EE-4AE2-8AAD-6B1FA8708CA1}"/>
+              </a:ext>
+            </a:extLst>
+          </p:cNvPr>
+          <p:cNvPicPr>
+            <a:picLocks noChangeAspect="1"/>
+          </p:cNvPicPr>
+          <p:nvPr/>
+        </p:nvPicPr>
+        <p:blipFill>
+          <a:blip r:embed="rId3"/>
+          <a:stretch>
+            <a:fillRect/>
+          </a:stretch>
+        </p:blipFill>
+        <p:spPr>
+          <a:xfrm>
+            <a:off x="0" y="1533932"/>
+            <a:ext cx="9144000" cy="2168912"/>
+          </a:xfrm>
+          <a:prstGeom prst="rect">
+            <a:avLst/>
+          </a:prstGeom>
+        </p:spPr>
+      </p:pic>
+      <p:pic>
+        <p:nvPicPr>
+          <p:cNvPr id="8" name="图片 7">
+            <a:extLst>
+              <a:ext uri="{FF2B5EF4-FFF2-40B4-BE49-F238E27FC236}">
+                <a16:creationId xmlns:a16="http://schemas.microsoft.com/office/drawing/2014/main" id="{5B8D7509-6E72-41F3-AFA6-06AF81EADD0E}"/>
+              </a:ext>
+            </a:extLst>
+          </p:cNvPr>
+          <p:cNvPicPr>
+            <a:picLocks noChangeAspect="1"/>
+          </p:cNvPicPr>
+          <p:nvPr/>
+        </p:nvPicPr>
+        <p:blipFill>
+          <a:blip r:embed="rId4"/>
+          <a:stretch>
+            <a:fillRect/>
+          </a:stretch>
+        </p:blipFill>
+        <p:spPr>
+          <a:xfrm>
+            <a:off x="781050" y="4293096"/>
+            <a:ext cx="7581900" cy="1285875"/>
+          </a:xfrm>
+          <a:prstGeom prst="rect">
+            <a:avLst/>
+          </a:prstGeom>
+        </p:spPr>
+      </p:pic>
+    </p:spTree>
+    <p:extLst>
+      <p:ext uri="{BB962C8B-B14F-4D97-AF65-F5344CB8AC3E}">
+        <p14:creationId xmlns:p14="http://schemas.microsoft.com/office/powerpoint/2010/main" val="3917552292"/>
+      </p:ext>
+    </p:extLst>
+  </p:cSld>
+  <p:clrMapOvr>
+    <a:masterClrMapping/>
+  </p:clrMapOvr>
+  <p:transition spd="slow">
+    <p:cut/>
+  </p:transition>
+</p:sld>
+</file>
+
+<file path=ppt/slides/slide33.xml><?xml version="1.0" encoding="utf-8"?>
 <p:sld xmlns:a="http://schemas.openxmlformats.org/drawingml/2006/main" xmlns:r="http://schemas.openxmlformats.org/officeDocument/2006/relationships" xmlns:p="http://schemas.openxmlformats.org/presentationml/2006/main">
   <p:cSld>
     <p:spTree>
